--- a/DATOS COVID Chile 2021 09 25.pptx
+++ b/DATOS COVID Chile 2021 09 25.pptx
@@ -6324,10 +6324,10 @@
       </p:sp>
       <p:pic>
         <p:nvPicPr>
-          <p:cNvPr id="3" name="Picture 2" descr="Chart, bar chart&#10;&#10;Description automatically generated">
-            <a:extLst>
-              <a:ext uri="{FF2B5EF4-FFF2-40B4-BE49-F238E27FC236}">
-                <a16:creationId xmlns:a16="http://schemas.microsoft.com/office/drawing/2014/main" id="{075AA108-168E-784D-8786-7591300E4245}"/>
+          <p:cNvPr id="8" name="Picture 7" descr="Chart&#10;&#10;Description automatically generated">
+            <a:extLst>
+              <a:ext uri="{FF2B5EF4-FFF2-40B4-BE49-F238E27FC236}">
+                <a16:creationId xmlns:a16="http://schemas.microsoft.com/office/drawing/2014/main" id="{AE4C9B28-48B6-FC43-8BD8-62ADF1460C4C}"/>
               </a:ext>
             </a:extLst>
           </p:cNvPr>
@@ -6344,8 +6344,8 @@
         </p:blipFill>
         <p:spPr>
           <a:xfrm>
-            <a:off x="627658" y="720097"/>
-            <a:ext cx="11604171" cy="5742597"/>
+            <a:off x="440871" y="641698"/>
+            <a:ext cx="11751129" cy="5815323"/>
           </a:xfrm>
           <a:prstGeom prst="rect">
             <a:avLst/>
@@ -7300,7 +7300,9 @@
             <a:r>
               <a:rPr lang="en-US" sz="2800" b="1" dirty="0">
                 <a:solidFill>
-                  <a:srgbClr val="437AAB"/>
+                  <a:schemeClr val="accent6">
+                    <a:lumMod val="75000"/>
+                  </a:schemeClr>
                 </a:solidFill>
               </a:rPr>
               <a:t>BAJO</a:t>
@@ -7413,7 +7415,9 @@
             <a:r>
               <a:rPr lang="en-US" sz="2800" b="1" dirty="0">
                 <a:solidFill>
-                  <a:srgbClr val="437AAB"/>
+                  <a:schemeClr val="accent6">
+                    <a:lumMod val="75000"/>
+                  </a:schemeClr>
                 </a:solidFill>
               </a:rPr>
               <a:t>BAJO</a:t>
